--- a/ch3_reference/2022__presentasi/Presentation_2022__Sholikin.pptx
+++ b/ch3_reference/2022__presentasi/Presentation_2022__Sholikin.pptx
@@ -10282,7 +10282,7 @@
             <a:avLst/>
           </a:prstGeom>
           <a:solidFill>
-            <a:srgbClr val="D24726">
+            <a:srgbClr val="F0A11F">
               <a:alpha val="25098"/>
             </a:srgbClr>
           </a:solidFill>
@@ -10334,9 +10334,9 @@
             <a:avLst/>
           </a:prstGeom>
           <a:solidFill>
-            <a:srgbClr val="F0A11F">
+            <a:schemeClr val="accent2">
               <a:alpha val="25098"/>
-            </a:srgbClr>
+            </a:schemeClr>
           </a:solidFill>
           <a:ln>
             <a:noFill/>
@@ -14689,7 +14689,7 @@
           <p:nvPr>
             <p:extLst>
               <p:ext uri="{D42A27DB-BD31-4B8C-83A1-F6EECF244321}">
-                <p14:modId xmlns:p14="http://schemas.microsoft.com/office/powerpoint/2010/main" val="2770986487"/>
+                <p14:modId xmlns:p14="http://schemas.microsoft.com/office/powerpoint/2010/main" val="152411297"/>
               </p:ext>
             </p:extLst>
           </p:nvPr>
@@ -14852,7 +14852,7 @@
                         <a:rPr lang="en-US" sz="1400" b="1" u="none" strike="noStrike" dirty="0">
                           <a:effectLst/>
                         </a:rPr>
-                        <a:t>N</a:t>
+                        <a:t>n</a:t>
                       </a:r>
                       <a:endParaRPr lang="en-US" sz="1400" b="1" i="0" u="none" strike="noStrike" dirty="0">
                         <a:effectLst/>
@@ -17381,7 +17381,7 @@
           <p:nvPr>
             <p:extLst>
               <p:ext uri="{D42A27DB-BD31-4B8C-83A1-F6EECF244321}">
-                <p14:modId xmlns:p14="http://schemas.microsoft.com/office/powerpoint/2010/main" val="1071331375"/>
+                <p14:modId xmlns:p14="http://schemas.microsoft.com/office/powerpoint/2010/main" val="1652764525"/>
               </p:ext>
             </p:extLst>
           </p:nvPr>
@@ -17560,7 +17560,7 @@
                         <a:rPr lang="en-US" sz="1400" b="1" u="none" strike="noStrike" dirty="0">
                           <a:effectLst/>
                         </a:rPr>
-                        <a:t>N</a:t>
+                        <a:t>n</a:t>
                       </a:r>
                       <a:endParaRPr lang="en-US" sz="1400" b="1" i="0" u="none" strike="noStrike" dirty="0">
                         <a:effectLst/>
@@ -27230,6 +27230,34 @@
 </file>
 
 <file path=customXml/item1.xml><?xml version="1.0" encoding="utf-8"?>
+<p:properties xmlns:p="http://schemas.microsoft.com/office/2006/metadata/properties" xmlns:xsi="http://www.w3.org/2001/XMLSchema-instance" xmlns:pc="http://schemas.microsoft.com/office/infopath/2007/PartnerControls">
+  <documentManagement>
+    <Status xmlns="71af3243-3dd4-4a8d-8c0d-dd76da1f02a5">Not started</Status>
+    <_ip_UnifiedCompliancePolicyUIAction xmlns="http://schemas.microsoft.com/sharepoint/v3" xsi:nil="true"/>
+    <Image xmlns="71af3243-3dd4-4a8d-8c0d-dd76da1f02a5">
+      <Url xsi:nil="true"/>
+      <Description xsi:nil="true"/>
+    </Image>
+    <_ip_UnifiedCompliancePolicyProperties xmlns="http://schemas.microsoft.com/sharepoint/v3" xsi:nil="true"/>
+    <ImageTagsTaxHTField xmlns="71af3243-3dd4-4a8d-8c0d-dd76da1f02a5">
+      <Terms xmlns="http://schemas.microsoft.com/office/infopath/2007/PartnerControls"/>
+    </ImageTagsTaxHTField>
+    <TaxCatchAll xmlns="230e9df3-be65-4c73-a93b-d1236ebd677e"/>
+    <MediaServiceKeyPoints xmlns="71af3243-3dd4-4a8d-8c0d-dd76da1f02a5" xsi:nil="true"/>
+  </documentManagement>
+</p:properties>
+</file>
+
+<file path=customXml/item2.xml><?xml version="1.0" encoding="utf-8"?>
+<?mso-contentType ?>
+<FormTemplates xmlns="http://schemas.microsoft.com/sharepoint/v3/contenttype/forms">
+  <Display>DocumentLibraryForm</Display>
+  <Edit>DocumentLibraryForm</Edit>
+  <New>DocumentLibraryForm</New>
+</FormTemplates>
+</file>
+
+<file path=customXml/item3.xml><?xml version="1.0" encoding="utf-8"?>
 <ct:contentTypeSchema xmlns:ct="http://schemas.microsoft.com/office/2006/metadata/contentType" xmlns:ma="http://schemas.microsoft.com/office/2006/metadata/properties/metaAttributes" ct:_="" ma:_="" ma:contentTypeName="Document" ma:contentTypeID="0x01010079F111ED35F8CC479449609E8A0923A6" ma:contentTypeVersion="20" ma:contentTypeDescription="Create a new document." ma:contentTypeScope="" ma:versionID="1267097ee5f5874adfcc408041ae252e">
   <xsd:schema xmlns:xsd="http://www.w3.org/2001/XMLSchema" xmlns:xs="http://www.w3.org/2001/XMLSchema" xmlns:p="http://schemas.microsoft.com/office/2006/metadata/properties" xmlns:ns1="http://schemas.microsoft.com/sharepoint/v3" xmlns:ns2="71af3243-3dd4-4a8d-8c0d-dd76da1f02a5" xmlns:ns3="16c05727-aa75-4e4a-9b5f-8a80a1165891" xmlns:ns4="230e9df3-be65-4c73-a93b-d1236ebd677e" targetNamespace="http://schemas.microsoft.com/office/2006/metadata/properties" ma:root="true" ma:fieldsID="395891a93df65b14727750f2c06c306c" ns1:_="" ns2:_="" ns3:_="" ns4:_="">
     <xsd:import namespace="http://schemas.microsoft.com/sharepoint/v3"/>
@@ -27505,35 +27533,34 @@
 </ct:contentTypeSchema>
 </file>
 
-<file path=customXml/item2.xml><?xml version="1.0" encoding="utf-8"?>
-<?mso-contentType ?>
-<FormTemplates xmlns="http://schemas.microsoft.com/sharepoint/v3/contenttype/forms">
-  <Display>DocumentLibraryForm</Display>
-  <Edit>DocumentLibraryForm</Edit>
-  <New>DocumentLibraryForm</New>
-</FormTemplates>
+<file path=customXml/itemProps1.xml><?xml version="1.0" encoding="utf-8"?>
+<ds:datastoreItem xmlns:ds="http://schemas.openxmlformats.org/officeDocument/2006/customXml" ds:itemID="{1C44B501-5DE1-46D9-B449-400C46FE1425}">
+  <ds:schemaRefs>
+    <ds:schemaRef ds:uri="http://purl.org/dc/terms/"/>
+    <ds:schemaRef ds:uri="http://schemas.openxmlformats.org/package/2006/metadata/core-properties"/>
+    <ds:schemaRef ds:uri="http://purl.org/dc/dcmitype/"/>
+    <ds:schemaRef ds:uri="http://schemas.microsoft.com/office/infopath/2007/PartnerControls"/>
+    <ds:schemaRef ds:uri="http://purl.org/dc/elements/1.1/"/>
+    <ds:schemaRef ds:uri="http://schemas.microsoft.com/office/2006/metadata/properties"/>
+    <ds:schemaRef ds:uri="71af3243-3dd4-4a8d-8c0d-dd76da1f02a5"/>
+    <ds:schemaRef ds:uri="230e9df3-be65-4c73-a93b-d1236ebd677e"/>
+    <ds:schemaRef ds:uri="http://schemas.microsoft.com/office/2006/documentManagement/types"/>
+    <ds:schemaRef ds:uri="16c05727-aa75-4e4a-9b5f-8a80a1165891"/>
+    <ds:schemaRef ds:uri="http://schemas.microsoft.com/sharepoint/v3"/>
+    <ds:schemaRef ds:uri="http://www.w3.org/XML/1998/namespace"/>
+  </ds:schemaRefs>
+</ds:datastoreItem>
 </file>
 
-<file path=customXml/item3.xml><?xml version="1.0" encoding="utf-8"?>
-<p:properties xmlns:p="http://schemas.microsoft.com/office/2006/metadata/properties" xmlns:xsi="http://www.w3.org/2001/XMLSchema-instance" xmlns:pc="http://schemas.microsoft.com/office/infopath/2007/PartnerControls">
-  <documentManagement>
-    <Status xmlns="71af3243-3dd4-4a8d-8c0d-dd76da1f02a5">Not started</Status>
-    <_ip_UnifiedCompliancePolicyUIAction xmlns="http://schemas.microsoft.com/sharepoint/v3" xsi:nil="true"/>
-    <Image xmlns="71af3243-3dd4-4a8d-8c0d-dd76da1f02a5">
-      <Url xsi:nil="true"/>
-      <Description xsi:nil="true"/>
-    </Image>
-    <_ip_UnifiedCompliancePolicyProperties xmlns="http://schemas.microsoft.com/sharepoint/v3" xsi:nil="true"/>
-    <ImageTagsTaxHTField xmlns="71af3243-3dd4-4a8d-8c0d-dd76da1f02a5">
-      <Terms xmlns="http://schemas.microsoft.com/office/infopath/2007/PartnerControls"/>
-    </ImageTagsTaxHTField>
-    <TaxCatchAll xmlns="230e9df3-be65-4c73-a93b-d1236ebd677e"/>
-    <MediaServiceKeyPoints xmlns="71af3243-3dd4-4a8d-8c0d-dd76da1f02a5" xsi:nil="true"/>
-  </documentManagement>
-</p:properties>
+<file path=customXml/itemProps2.xml><?xml version="1.0" encoding="utf-8"?>
+<ds:datastoreItem xmlns:ds="http://schemas.openxmlformats.org/officeDocument/2006/customXml" ds:itemID="{77DD0DBF-30B2-4FC6-A5E7-8374DC718037}">
+  <ds:schemaRefs>
+    <ds:schemaRef ds:uri="http://schemas.microsoft.com/sharepoint/v3/contenttype/forms"/>
+  </ds:schemaRefs>
+</ds:datastoreItem>
 </file>
 
-<file path=customXml/itemProps1.xml><?xml version="1.0" encoding="utf-8"?>
+<file path=customXml/itemProps3.xml><?xml version="1.0" encoding="utf-8"?>
 <ds:datastoreItem xmlns:ds="http://schemas.openxmlformats.org/officeDocument/2006/customXml" ds:itemID="{B2A44EB6-3BD3-4FF9-B8D1-D973C54C3ED7}">
   <ds:schemaRefs>
     <ds:schemaRef ds:uri="http://schemas.microsoft.com/office/2006/metadata/contentType"/>
@@ -27554,33 +27581,6 @@
 </ds:datastoreItem>
 </file>
 
-<file path=customXml/itemProps2.xml><?xml version="1.0" encoding="utf-8"?>
-<ds:datastoreItem xmlns:ds="http://schemas.openxmlformats.org/officeDocument/2006/customXml" ds:itemID="{77DD0DBF-30B2-4FC6-A5E7-8374DC718037}">
-  <ds:schemaRefs>
-    <ds:schemaRef ds:uri="http://schemas.microsoft.com/sharepoint/v3/contenttype/forms"/>
-  </ds:schemaRefs>
-</ds:datastoreItem>
-</file>
-
-<file path=customXml/itemProps3.xml><?xml version="1.0" encoding="utf-8"?>
-<ds:datastoreItem xmlns:ds="http://schemas.openxmlformats.org/officeDocument/2006/customXml" ds:itemID="{1C44B501-5DE1-46D9-B449-400C46FE1425}">
-  <ds:schemaRefs>
-    <ds:schemaRef ds:uri="http://purl.org/dc/terms/"/>
-    <ds:schemaRef ds:uri="http://schemas.openxmlformats.org/package/2006/metadata/core-properties"/>
-    <ds:schemaRef ds:uri="http://purl.org/dc/dcmitype/"/>
-    <ds:schemaRef ds:uri="http://schemas.microsoft.com/office/infopath/2007/PartnerControls"/>
-    <ds:schemaRef ds:uri="http://purl.org/dc/elements/1.1/"/>
-    <ds:schemaRef ds:uri="http://schemas.microsoft.com/office/2006/metadata/properties"/>
-    <ds:schemaRef ds:uri="71af3243-3dd4-4a8d-8c0d-dd76da1f02a5"/>
-    <ds:schemaRef ds:uri="230e9df3-be65-4c73-a93b-d1236ebd677e"/>
-    <ds:schemaRef ds:uri="http://schemas.microsoft.com/office/2006/documentManagement/types"/>
-    <ds:schemaRef ds:uri="16c05727-aa75-4e4a-9b5f-8a80a1165891"/>
-    <ds:schemaRef ds:uri="http://schemas.microsoft.com/sharepoint/v3"/>
-    <ds:schemaRef ds:uri="http://www.w3.org/XML/1998/namespace"/>
-  </ds:schemaRefs>
-</ds:datastoreItem>
-</file>
-
 <file path=docMetadata/LabelInfo.xml><?xml version="1.0" encoding="utf-8"?>
 <clbl:labelList xmlns:clbl="http://schemas.microsoft.com/office/2020/mipLabelMetadata">
   <clbl:label id="{f42aa342-8706-4288-bd11-ebb85995028c}" enabled="1" method="Standard" siteId="{72f988bf-86f1-41af-91ab-2d7cd011db47}" removed="0"/>

--- a/ch3_reference/2022__presentasi/Presentation_2022__Sholikin.pptx
+++ b/ch3_reference/2022__presentasi/Presentation_2022__Sholikin.pptx
@@ -234,7 +234,7 @@
           <a:p>
             <a:fld id="{3D3DD571-E22F-4A38-B450-8CCBD829A548}" type="datetimeFigureOut">
               <a:rPr lang="en-US"/>
-              <a:t>5/17/2022</a:t>
+              <a:t>6/2/2022</a:t>
             </a:fld>
             <a:endParaRPr lang="en-US" dirty="0"/>
           </a:p>
@@ -748,7 +748,7 @@
           <a:p>
             <a:fld id="{703E2F8D-62B3-48AF-BAF5-944399905ED0}" type="datetimeFigureOut">
               <a:rPr lang="en-US" smtClean="0"/>
-              <a:t>5/17/2022</a:t>
+              <a:t>6/2/2022</a:t>
             </a:fld>
             <a:endParaRPr lang="en-US" dirty="0"/>
           </a:p>
@@ -962,7 +962,7 @@
           <a:p>
             <a:fld id="{703E2F8D-62B3-48AF-BAF5-944399905ED0}" type="datetimeFigureOut">
               <a:rPr lang="en-US" smtClean="0"/>
-              <a:t>5/17/2022</a:t>
+              <a:t>6/2/2022</a:t>
             </a:fld>
             <a:endParaRPr lang="en-US" dirty="0"/>
           </a:p>
@@ -1283,7 +1283,7 @@
             <a:fld id="{8BEEBAAA-29B5-4AF5-BC5F-7E580C29002D}" type="datetimeFigureOut">
               <a:rPr lang="en-US" smtClean="0"/>
               <a:pPr/>
-              <a:t>5/17/2022</a:t>
+              <a:t>6/2/2022</a:t>
             </a:fld>
             <a:endParaRPr lang="en-US" dirty="0"/>
           </a:p>
@@ -1979,7 +1979,7 @@
           <a:p>
             <a:fld id="{703E2F8D-62B3-48AF-BAF5-944399905ED0}" type="datetimeFigureOut">
               <a:rPr lang="en-US" smtClean="0"/>
-              <a:t>5/17/2022</a:t>
+              <a:t>6/2/2022</a:t>
             </a:fld>
             <a:endParaRPr lang="en-US" dirty="0"/>
           </a:p>
@@ -2406,7 +2406,7 @@
           <a:p>
             <a:fld id="{703E2F8D-62B3-48AF-BAF5-944399905ED0}" type="datetimeFigureOut">
               <a:rPr lang="en-US" smtClean="0"/>
-              <a:t>5/17/2022</a:t>
+              <a:t>6/2/2022</a:t>
             </a:fld>
             <a:endParaRPr lang="en-US" dirty="0"/>
           </a:p>
@@ -2555,7 +2555,7 @@
           <a:p>
             <a:fld id="{703E2F8D-62B3-48AF-BAF5-944399905ED0}" type="datetimeFigureOut">
               <a:rPr lang="en-US" smtClean="0"/>
-              <a:t>5/17/2022</a:t>
+              <a:t>6/2/2022</a:t>
             </a:fld>
             <a:endParaRPr lang="en-US" dirty="0"/>
           </a:p>
@@ -2668,7 +2668,7 @@
           <a:p>
             <a:fld id="{703E2F8D-62B3-48AF-BAF5-944399905ED0}" type="datetimeFigureOut">
               <a:rPr lang="en-US" smtClean="0"/>
-              <a:t>5/17/2022</a:t>
+              <a:t>6/2/2022</a:t>
             </a:fld>
             <a:endParaRPr lang="en-US" dirty="0"/>
           </a:p>
@@ -2988,7 +2988,7 @@
           <a:p>
             <a:fld id="{703E2F8D-62B3-48AF-BAF5-944399905ED0}" type="datetimeFigureOut">
               <a:rPr lang="en-US" smtClean="0"/>
-              <a:t>5/17/2022</a:t>
+              <a:t>6/2/2022</a:t>
             </a:fld>
             <a:endParaRPr lang="en-US" dirty="0"/>
           </a:p>
@@ -3289,7 +3289,7 @@
           <a:p>
             <a:fld id="{703E2F8D-62B3-48AF-BAF5-944399905ED0}" type="datetimeFigureOut">
               <a:rPr lang="en-US" smtClean="0"/>
-              <a:t>5/17/2022</a:t>
+              <a:t>6/2/2022</a:t>
             </a:fld>
             <a:endParaRPr lang="en-US" dirty="0"/>
           </a:p>
@@ -3533,7 +3533,7 @@
           <a:p>
             <a:fld id="{703E2F8D-62B3-48AF-BAF5-944399905ED0}" type="datetimeFigureOut">
               <a:rPr lang="en-US" smtClean="0"/>
-              <a:t>5/17/2022</a:t>
+              <a:t>6/2/2022</a:t>
             </a:fld>
             <a:endParaRPr lang="en-US" dirty="0"/>
           </a:p>
@@ -16967,7 +16967,7 @@
         </p:nvSpPr>
         <p:spPr>
           <a:xfrm>
-            <a:off x="5067300" y="5225167"/>
+            <a:off x="5846895" y="5206859"/>
             <a:ext cx="498210" cy="498210"/>
           </a:xfrm>
           <a:prstGeom prst="ellipse">
@@ -17019,7 +17019,7 @@
         </p:nvSpPr>
         <p:spPr>
           <a:xfrm>
-            <a:off x="4229100" y="5257800"/>
+            <a:off x="5029200" y="5206859"/>
             <a:ext cx="498210" cy="498210"/>
           </a:xfrm>
           <a:prstGeom prst="ellipse">
@@ -23895,7 +23895,7 @@
                   <a:schemeClr val="tx1"/>
                 </a:solidFill>
               </a:rPr>
-              <a:t>Independen</a:t>
+              <a:t>Dependen</a:t>
             </a:r>
             <a:r>
               <a:rPr lang="en-US" sz="1600" b="1" dirty="0">
@@ -24166,7 +24166,7 @@
                   <a:schemeClr val="tx1"/>
                 </a:solidFill>
               </a:rPr>
-              <a:t>Dependen</a:t>
+              <a:t>Independen</a:t>
             </a:r>
             <a:r>
               <a:rPr lang="en-US" sz="1600" b="1" dirty="0">
@@ -27230,6 +27230,15 @@
 </file>
 
 <file path=customXml/item1.xml><?xml version="1.0" encoding="utf-8"?>
+<?mso-contentType ?>
+<FormTemplates xmlns="http://schemas.microsoft.com/sharepoint/v3/contenttype/forms">
+  <Display>DocumentLibraryForm</Display>
+  <Edit>DocumentLibraryForm</Edit>
+  <New>DocumentLibraryForm</New>
+</FormTemplates>
+</file>
+
+<file path=customXml/item2.xml><?xml version="1.0" encoding="utf-8"?>
 <p:properties xmlns:p="http://schemas.microsoft.com/office/2006/metadata/properties" xmlns:xsi="http://www.w3.org/2001/XMLSchema-instance" xmlns:pc="http://schemas.microsoft.com/office/infopath/2007/PartnerControls">
   <documentManagement>
     <Status xmlns="71af3243-3dd4-4a8d-8c0d-dd76da1f02a5">Not started</Status>
@@ -27246,15 +27255,6 @@
     <MediaServiceKeyPoints xmlns="71af3243-3dd4-4a8d-8c0d-dd76da1f02a5" xsi:nil="true"/>
   </documentManagement>
 </p:properties>
-</file>
-
-<file path=customXml/item2.xml><?xml version="1.0" encoding="utf-8"?>
-<?mso-contentType ?>
-<FormTemplates xmlns="http://schemas.microsoft.com/sharepoint/v3/contenttype/forms">
-  <Display>DocumentLibraryForm</Display>
-  <Edit>DocumentLibraryForm</Edit>
-  <New>DocumentLibraryForm</New>
-</FormTemplates>
 </file>
 
 <file path=customXml/item3.xml><?xml version="1.0" encoding="utf-8"?>
@@ -27534,6 +27534,14 @@
 </file>
 
 <file path=customXml/itemProps1.xml><?xml version="1.0" encoding="utf-8"?>
+<ds:datastoreItem xmlns:ds="http://schemas.openxmlformats.org/officeDocument/2006/customXml" ds:itemID="{77DD0DBF-30B2-4FC6-A5E7-8374DC718037}">
+  <ds:schemaRefs>
+    <ds:schemaRef ds:uri="http://schemas.microsoft.com/sharepoint/v3/contenttype/forms"/>
+  </ds:schemaRefs>
+</ds:datastoreItem>
+</file>
+
+<file path=customXml/itemProps2.xml><?xml version="1.0" encoding="utf-8"?>
 <ds:datastoreItem xmlns:ds="http://schemas.openxmlformats.org/officeDocument/2006/customXml" ds:itemID="{1C44B501-5DE1-46D9-B449-400C46FE1425}">
   <ds:schemaRefs>
     <ds:schemaRef ds:uri="http://purl.org/dc/terms/"/>
@@ -27548,14 +27556,6 @@
     <ds:schemaRef ds:uri="16c05727-aa75-4e4a-9b5f-8a80a1165891"/>
     <ds:schemaRef ds:uri="http://schemas.microsoft.com/sharepoint/v3"/>
     <ds:schemaRef ds:uri="http://www.w3.org/XML/1998/namespace"/>
-  </ds:schemaRefs>
-</ds:datastoreItem>
-</file>
-
-<file path=customXml/itemProps2.xml><?xml version="1.0" encoding="utf-8"?>
-<ds:datastoreItem xmlns:ds="http://schemas.openxmlformats.org/officeDocument/2006/customXml" ds:itemID="{77DD0DBF-30B2-4FC6-A5E7-8374DC718037}">
-  <ds:schemaRefs>
-    <ds:schemaRef ds:uri="http://schemas.microsoft.com/sharepoint/v3/contenttype/forms"/>
   </ds:schemaRefs>
 </ds:datastoreItem>
 </file>
